--- a/slides/Fall2018-ZookeeperPart2.pptx
+++ b/slides/Fall2018-ZookeeperPart2.pptx
@@ -11160,53 +11160,6 @@
           </a:p>
         </p:txBody>
       </p:sp>
-      <p:sp>
-        <p:nvSpPr>
-          <p:cNvPr id="6" name="Content Placeholder 5"/>
-          <p:cNvSpPr>
-            <a:spLocks noGrp="1"/>
-          </p:cNvSpPr>
-          <p:nvPr>
-            <p:ph sz="half" idx="1"/>
-          </p:nvPr>
-        </p:nvSpPr>
-        <p:spPr>
-          <a:xfrm>
-            <a:off x="506776" y="947452"/>
-            <a:ext cx="5151482" cy="2554274"/>
-          </a:xfrm>
-        </p:spPr>
-        <p:txBody>
-          <a:bodyPr>
-            <a:normAutofit/>
-          </a:bodyPr>
-          <a:lstStyle/>
-          <a:p>
-            <a:r>
-              <a:rPr lang="en-US" sz="2400" dirty="0"/>
-              <a:t>Maintain a stat structure with version numbers for data changes, ACL changes and timestamps. </a:t>
-            </a:r>
-          </a:p>
-          <a:p>
-            <a:r>
-              <a:rPr lang="en-GB" sz="2400" dirty="0">
-                <a:ea typeface="ＭＳ Ｐゴシック" charset="-128"/>
-                <a:cs typeface="ＭＳ Ｐゴシック" charset="-128"/>
-              </a:rPr>
-              <a:t>Version numbers increases with changes</a:t>
-            </a:r>
-          </a:p>
-          <a:p>
-            <a:r>
-              <a:rPr lang="en-GB" sz="2400" dirty="0">
-                <a:ea typeface="ＭＳ Ｐゴシック" charset="-128"/>
-                <a:cs typeface="ＭＳ Ｐゴシック" charset="-128"/>
-              </a:rPr>
-              <a:t>Data is read and written in its entirety </a:t>
-            </a:r>
-          </a:p>
-        </p:txBody>
-      </p:sp>
       <p:pic>
         <p:nvPicPr>
           <p:cNvPr id="10" name="Content Placeholder 9"/>
@@ -11263,8 +11216,8 @@
         </p:blipFill>
         <p:spPr>
           <a:xfrm>
-            <a:off x="1337217" y="3501725"/>
-            <a:ext cx="2895600" cy="2960306"/>
+            <a:off x="707022" y="1228081"/>
+            <a:ext cx="4793746" cy="4900869"/>
           </a:xfrm>
           <a:prstGeom prst="rect">
             <a:avLst/>

--- a/slides/Fall2018-ZookeeperPart2.pptx
+++ b/slides/Fall2018-ZookeeperPart2.pptx
@@ -11216,8 +11216,8 @@
         </p:blipFill>
         <p:spPr>
           <a:xfrm>
-            <a:off x="707022" y="1228081"/>
-            <a:ext cx="4793746" cy="4900869"/>
+            <a:off x="642552" y="1228081"/>
+            <a:ext cx="4858216" cy="4900869"/>
           </a:xfrm>
           <a:prstGeom prst="rect">
             <a:avLst/>
